--- a/TechnicalDebt_QT/TechnicalDebt.pptx
+++ b/TechnicalDebt_QT/TechnicalDebt.pptx
@@ -201,7 +201,7 @@
           <a:p>
             <a:fld id="{63D5FC4C-9EE1-4746-A368-724F618FC790}" type="datetimeFigureOut">
               <a:rPr lang="es-PE" smtClean="0"/>
-              <a:t>01/02/2011</a:t>
+              <a:t>30/10/2012</a:t>
             </a:fld>
             <a:endParaRPr lang="es-PE"/>
           </a:p>
@@ -513,6 +513,18 @@
           <a:bodyPr/>
           <a:lstStyle/>
           <a:p>
+            <a:r>
+              <a:rPr lang="en-US" dirty="0" err="1" smtClean="0"/>
+              <a:t>CoC</a:t>
+            </a:r>
+            <a:r>
+              <a:rPr lang="en-US" dirty="0" smtClean="0"/>
+              <a:t>=Cost</a:t>
+            </a:r>
+            <a:r>
+              <a:rPr lang="en-US" baseline="0" dirty="0" smtClean="0"/>
+              <a:t> of Change</a:t>
+            </a:r>
             <a:endParaRPr lang="en-US" dirty="0"/>
           </a:p>
         </p:txBody>
@@ -1705,7 +1717,7 @@
             <a:fld id="{807CB568-C05F-482F-9F26-AA302B8892DF}" type="datetimeFigureOut">
               <a:rPr lang="es-ES" smtClean="0"/>
               <a:pPr/>
-              <a:t>01/02/2011</a:t>
+              <a:t>30/10/2012</a:t>
             </a:fld>
             <a:endParaRPr lang="es-ES"/>
           </a:p>
@@ -1884,7 +1896,7 @@
             <a:fld id="{807CB568-C05F-482F-9F26-AA302B8892DF}" type="datetimeFigureOut">
               <a:rPr lang="es-ES" smtClean="0"/>
               <a:pPr/>
-              <a:t>01/02/2011</a:t>
+              <a:t>30/10/2012</a:t>
             </a:fld>
             <a:endParaRPr lang="es-ES"/>
           </a:p>
@@ -2073,7 +2085,7 @@
             <a:fld id="{807CB568-C05F-482F-9F26-AA302B8892DF}" type="datetimeFigureOut">
               <a:rPr lang="es-ES" smtClean="0"/>
               <a:pPr/>
-              <a:t>01/02/2011</a:t>
+              <a:t>30/10/2012</a:t>
             </a:fld>
             <a:endParaRPr lang="es-ES"/>
           </a:p>
@@ -2252,7 +2264,7 @@
             <a:fld id="{807CB568-C05F-482F-9F26-AA302B8892DF}" type="datetimeFigureOut">
               <a:rPr lang="es-ES" smtClean="0"/>
               <a:pPr/>
-              <a:t>01/02/2011</a:t>
+              <a:t>30/10/2012</a:t>
             </a:fld>
             <a:endParaRPr lang="es-ES"/>
           </a:p>
@@ -2507,7 +2519,7 @@
             <a:fld id="{807CB568-C05F-482F-9F26-AA302B8892DF}" type="datetimeFigureOut">
               <a:rPr lang="es-ES" smtClean="0"/>
               <a:pPr/>
-              <a:t>01/02/2011</a:t>
+              <a:t>30/10/2012</a:t>
             </a:fld>
             <a:endParaRPr lang="es-ES"/>
           </a:p>
@@ -2804,7 +2816,7 @@
             <a:fld id="{807CB568-C05F-482F-9F26-AA302B8892DF}" type="datetimeFigureOut">
               <a:rPr lang="es-ES" smtClean="0"/>
               <a:pPr/>
-              <a:t>01/02/2011</a:t>
+              <a:t>30/10/2012</a:t>
             </a:fld>
             <a:endParaRPr lang="es-ES"/>
           </a:p>
@@ -3235,7 +3247,7 @@
             <a:fld id="{807CB568-C05F-482F-9F26-AA302B8892DF}" type="datetimeFigureOut">
               <a:rPr lang="es-ES" smtClean="0"/>
               <a:pPr/>
-              <a:t>01/02/2011</a:t>
+              <a:t>30/10/2012</a:t>
             </a:fld>
             <a:endParaRPr lang="es-ES"/>
           </a:p>
@@ -3362,7 +3374,7 @@
             <a:fld id="{807CB568-C05F-482F-9F26-AA302B8892DF}" type="datetimeFigureOut">
               <a:rPr lang="es-ES" smtClean="0"/>
               <a:pPr/>
-              <a:t>01/02/2011</a:t>
+              <a:t>30/10/2012</a:t>
             </a:fld>
             <a:endParaRPr lang="es-ES"/>
           </a:p>
@@ -3466,7 +3478,7 @@
             <a:fld id="{807CB568-C05F-482F-9F26-AA302B8892DF}" type="datetimeFigureOut">
               <a:rPr lang="es-ES" smtClean="0"/>
               <a:pPr/>
-              <a:t>01/02/2011</a:t>
+              <a:t>30/10/2012</a:t>
             </a:fld>
             <a:endParaRPr lang="es-ES"/>
           </a:p>
@@ -3752,7 +3764,7 @@
             <a:fld id="{807CB568-C05F-482F-9F26-AA302B8892DF}" type="datetimeFigureOut">
               <a:rPr lang="es-ES" smtClean="0"/>
               <a:pPr/>
-              <a:t>01/02/2011</a:t>
+              <a:t>30/10/2012</a:t>
             </a:fld>
             <a:endParaRPr lang="es-ES"/>
           </a:p>
@@ -4021,7 +4033,7 @@
             <a:fld id="{807CB568-C05F-482F-9F26-AA302B8892DF}" type="datetimeFigureOut">
               <a:rPr lang="es-ES" smtClean="0"/>
               <a:pPr/>
-              <a:t>01/02/2011</a:t>
+              <a:t>30/10/2012</a:t>
             </a:fld>
             <a:endParaRPr lang="es-ES"/>
           </a:p>
@@ -4272,7 +4284,7 @@
             <a:fld id="{807CB568-C05F-482F-9F26-AA302B8892DF}" type="datetimeFigureOut">
               <a:rPr lang="es-ES" smtClean="0"/>
               <a:pPr/>
-              <a:t>01/02/2011</a:t>
+              <a:t>30/10/2012</a:t>
             </a:fld>
             <a:endParaRPr lang="es-ES"/>
           </a:p>
@@ -7466,11 +7478,7 @@
           <a:p>
             <a:r>
               <a:rPr lang="es-PE" dirty="0" smtClean="0"/>
-              <a:t>Cuantificar la Deuda </a:t>
-            </a:r>
-            <a:r>
-              <a:rPr lang="es-PE" dirty="0" smtClean="0"/>
-              <a:t>Técnica</a:t>
+              <a:t>Cuantificar la Deuda Técnica</a:t>
             </a:r>
             <a:br>
               <a:rPr lang="es-PE" dirty="0" smtClean="0"/>
@@ -8011,11 +8019,7 @@
             </a:pPr>
             <a:r>
               <a:rPr lang="es-PE" sz="2400" dirty="0" smtClean="0"/>
-              <a:t>Siempre que se incurra en un deuda intencional, realizar las siguientes </a:t>
-            </a:r>
-            <a:r>
-              <a:rPr lang="es-PE" sz="2400" dirty="0" smtClean="0"/>
-              <a:t>preguntas para evaluar el valor e impacto:</a:t>
+              <a:t>Siempre que se incurra en un deuda intencional, realizar las siguientes preguntas para evaluar el valor e impacto:</a:t>
             </a:r>
           </a:p>
           <a:p>
